--- a/ppt 16-9/0987.跟随耶稣不回头.pptx
+++ b/ppt 16-9/0987.跟随耶稣不回头.pptx
@@ -5,7 +5,7 @@
     <p:sldMasterId id="2147483648" r:id="rId1"/>
   </p:sldMasterIdLst>
   <p:sldIdLst>
-    <p:sldId id="390" r:id="rId2"/>
+    <p:sldId id="8033" r:id="rId2"/>
   </p:sldIdLst>
   <p:sldSz cx="12192000" cy="6858000"/>
   <p:notesSz cx="6858000" cy="9144000"/>
@@ -129,7 +129,7 @@
           <p:cNvPr id="2" name="标题 1">
             <a:extLst>
               <a:ext uri="{FF2B5EF4-FFF2-40B4-BE49-F238E27FC236}">
-                <a16:creationId xmlns:a16="http://schemas.microsoft.com/office/drawing/2014/main" id="{02EAC56D-3C90-CA4B-05B9-D1216514AE9E}"/>
+                <a16:creationId xmlns:a16="http://schemas.microsoft.com/office/drawing/2014/main" id="{225B13F4-F1DA-B7D4-9791-56E23180DFB0}"/>
               </a:ext>
             </a:extLst>
           </p:cNvPr>
@@ -166,7 +166,7 @@
           <p:cNvPr id="3" name="副标题 2">
             <a:extLst>
               <a:ext uri="{FF2B5EF4-FFF2-40B4-BE49-F238E27FC236}">
-                <a16:creationId xmlns:a16="http://schemas.microsoft.com/office/drawing/2014/main" id="{A24BCB33-AD5A-E2A7-ECBD-DE395BCCA79E}"/>
+                <a16:creationId xmlns:a16="http://schemas.microsoft.com/office/drawing/2014/main" id="{8BFEB07D-3CDF-1683-E549-9AFFD81AC339}"/>
               </a:ext>
             </a:extLst>
           </p:cNvPr>
@@ -236,7 +236,7 @@
           <p:cNvPr id="4" name="日期占位符 3">
             <a:extLst>
               <a:ext uri="{FF2B5EF4-FFF2-40B4-BE49-F238E27FC236}">
-                <a16:creationId xmlns:a16="http://schemas.microsoft.com/office/drawing/2014/main" id="{B6CBA791-3AD9-5E39-2A3D-468F7F3E59B3}"/>
+                <a16:creationId xmlns:a16="http://schemas.microsoft.com/office/drawing/2014/main" id="{DBC16897-4827-806E-6223-99FE8EEFC716}"/>
               </a:ext>
             </a:extLst>
           </p:cNvPr>
@@ -252,7 +252,7 @@
           <a:bodyPr/>
           <a:lstStyle/>
           <a:p>
-            <a:fld id="{E281A5E7-3E6C-43D6-AF10-058CC5BAB8A8}" type="datetimeFigureOut">
+            <a:fld id="{29D40967-F5D4-49EB-BA37-DB0CB3859C78}" type="datetimeFigureOut">
               <a:rPr lang="zh-CN" altLang="en-US" smtClean="0"/>
               <a:t>2024/3/10</a:t>
             </a:fld>
@@ -265,7 +265,7 @@
           <p:cNvPr id="5" name="页脚占位符 4">
             <a:extLst>
               <a:ext uri="{FF2B5EF4-FFF2-40B4-BE49-F238E27FC236}">
-                <a16:creationId xmlns:a16="http://schemas.microsoft.com/office/drawing/2014/main" id="{FD7B4804-DA1F-A734-6384-77C8F640BA67}"/>
+                <a16:creationId xmlns:a16="http://schemas.microsoft.com/office/drawing/2014/main" id="{AC1FB15B-B70C-50F7-B07E-4E9897BEDFE0}"/>
               </a:ext>
             </a:extLst>
           </p:cNvPr>
@@ -290,7 +290,7 @@
           <p:cNvPr id="6" name="灯片编号占位符 5">
             <a:extLst>
               <a:ext uri="{FF2B5EF4-FFF2-40B4-BE49-F238E27FC236}">
-                <a16:creationId xmlns:a16="http://schemas.microsoft.com/office/drawing/2014/main" id="{E13D1AA1-5654-D8BC-9B08-86964B403798}"/>
+                <a16:creationId xmlns:a16="http://schemas.microsoft.com/office/drawing/2014/main" id="{F5FADC3A-C70A-3C74-AAE4-31405647EE71}"/>
               </a:ext>
             </a:extLst>
           </p:cNvPr>
@@ -306,7 +306,7 @@
           <a:bodyPr/>
           <a:lstStyle/>
           <a:p>
-            <a:fld id="{4E2E5741-F4C8-463E-AE66-D1FB873E125C}" type="slidenum">
+            <a:fld id="{3276C5FF-5B62-42CB-B6B5-454CC9D34C5F}" type="slidenum">
               <a:rPr lang="zh-CN" altLang="en-US" smtClean="0"/>
               <a:t>‹#›</a:t>
             </a:fld>
@@ -317,7 +317,7 @@
     </p:spTree>
     <p:extLst>
       <p:ext uri="{BB962C8B-B14F-4D97-AF65-F5344CB8AC3E}">
-        <p14:creationId xmlns:p14="http://schemas.microsoft.com/office/powerpoint/2010/main" val="1009725754"/>
+        <p14:creationId xmlns:p14="http://schemas.microsoft.com/office/powerpoint/2010/main" val="2336253001"/>
       </p:ext>
     </p:extLst>
   </p:cSld>
@@ -349,7 +349,7 @@
           <p:cNvPr id="2" name="标题 1">
             <a:extLst>
               <a:ext uri="{FF2B5EF4-FFF2-40B4-BE49-F238E27FC236}">
-                <a16:creationId xmlns:a16="http://schemas.microsoft.com/office/drawing/2014/main" id="{B3A822EC-57E8-0B81-93B2-94A610642296}"/>
+                <a16:creationId xmlns:a16="http://schemas.microsoft.com/office/drawing/2014/main" id="{828180C7-2BF1-6720-0F39-25F6CEB45B1A}"/>
               </a:ext>
             </a:extLst>
           </p:cNvPr>
@@ -377,7 +377,7 @@
           <p:cNvPr id="3" name="竖排文字占位符 2">
             <a:extLst>
               <a:ext uri="{FF2B5EF4-FFF2-40B4-BE49-F238E27FC236}">
-                <a16:creationId xmlns:a16="http://schemas.microsoft.com/office/drawing/2014/main" id="{0D1CE84A-648F-76D2-E5D0-C382457BBDF8}"/>
+                <a16:creationId xmlns:a16="http://schemas.microsoft.com/office/drawing/2014/main" id="{63CF38AE-A3DB-28CB-2721-6861C9C05135}"/>
               </a:ext>
             </a:extLst>
           </p:cNvPr>
@@ -434,7 +434,7 @@
           <p:cNvPr id="4" name="日期占位符 3">
             <a:extLst>
               <a:ext uri="{FF2B5EF4-FFF2-40B4-BE49-F238E27FC236}">
-                <a16:creationId xmlns:a16="http://schemas.microsoft.com/office/drawing/2014/main" id="{BFFD3795-21DB-884F-D217-32B56DAEEA91}"/>
+                <a16:creationId xmlns:a16="http://schemas.microsoft.com/office/drawing/2014/main" id="{EEC85FA8-685C-63E5-87A3-F7E28C43BDF6}"/>
               </a:ext>
             </a:extLst>
           </p:cNvPr>
@@ -450,7 +450,7 @@
           <a:bodyPr/>
           <a:lstStyle/>
           <a:p>
-            <a:fld id="{E281A5E7-3E6C-43D6-AF10-058CC5BAB8A8}" type="datetimeFigureOut">
+            <a:fld id="{29D40967-F5D4-49EB-BA37-DB0CB3859C78}" type="datetimeFigureOut">
               <a:rPr lang="zh-CN" altLang="en-US" smtClean="0"/>
               <a:t>2024/3/10</a:t>
             </a:fld>
@@ -463,7 +463,7 @@
           <p:cNvPr id="5" name="页脚占位符 4">
             <a:extLst>
               <a:ext uri="{FF2B5EF4-FFF2-40B4-BE49-F238E27FC236}">
-                <a16:creationId xmlns:a16="http://schemas.microsoft.com/office/drawing/2014/main" id="{52DFF3A7-A086-7A8F-B46A-F33D8C35DFDB}"/>
+                <a16:creationId xmlns:a16="http://schemas.microsoft.com/office/drawing/2014/main" id="{524E496F-0EEE-4C23-FBC5-E21E0084D7BB}"/>
               </a:ext>
             </a:extLst>
           </p:cNvPr>
@@ -488,7 +488,7 @@
           <p:cNvPr id="6" name="灯片编号占位符 5">
             <a:extLst>
               <a:ext uri="{FF2B5EF4-FFF2-40B4-BE49-F238E27FC236}">
-                <a16:creationId xmlns:a16="http://schemas.microsoft.com/office/drawing/2014/main" id="{A7CB371A-A6F1-7495-C7C2-F5F47B2BC058}"/>
+                <a16:creationId xmlns:a16="http://schemas.microsoft.com/office/drawing/2014/main" id="{340E0FFF-03FB-B330-DCC5-8AE1A749EA0A}"/>
               </a:ext>
             </a:extLst>
           </p:cNvPr>
@@ -504,7 +504,7 @@
           <a:bodyPr/>
           <a:lstStyle/>
           <a:p>
-            <a:fld id="{4E2E5741-F4C8-463E-AE66-D1FB873E125C}" type="slidenum">
+            <a:fld id="{3276C5FF-5B62-42CB-B6B5-454CC9D34C5F}" type="slidenum">
               <a:rPr lang="zh-CN" altLang="en-US" smtClean="0"/>
               <a:t>‹#›</a:t>
             </a:fld>
@@ -515,7 +515,7 @@
     </p:spTree>
     <p:extLst>
       <p:ext uri="{BB962C8B-B14F-4D97-AF65-F5344CB8AC3E}">
-        <p14:creationId xmlns:p14="http://schemas.microsoft.com/office/powerpoint/2010/main" val="1553613748"/>
+        <p14:creationId xmlns:p14="http://schemas.microsoft.com/office/powerpoint/2010/main" val="766309246"/>
       </p:ext>
     </p:extLst>
   </p:cSld>
@@ -547,7 +547,7 @@
           <p:cNvPr id="2" name="竖排标题 1">
             <a:extLst>
               <a:ext uri="{FF2B5EF4-FFF2-40B4-BE49-F238E27FC236}">
-                <a16:creationId xmlns:a16="http://schemas.microsoft.com/office/drawing/2014/main" id="{67F16E20-8805-720F-7BFE-04C7717C2CE6}"/>
+                <a16:creationId xmlns:a16="http://schemas.microsoft.com/office/drawing/2014/main" id="{A0668F7A-AE97-34A4-F686-3507EEBF1F38}"/>
               </a:ext>
             </a:extLst>
           </p:cNvPr>
@@ -580,7 +580,7 @@
           <p:cNvPr id="3" name="竖排文字占位符 2">
             <a:extLst>
               <a:ext uri="{FF2B5EF4-FFF2-40B4-BE49-F238E27FC236}">
-                <a16:creationId xmlns:a16="http://schemas.microsoft.com/office/drawing/2014/main" id="{055F6DF9-37EE-B6EB-4108-EB2DFB2A7227}"/>
+                <a16:creationId xmlns:a16="http://schemas.microsoft.com/office/drawing/2014/main" id="{A71DA03C-8C58-D94C-90A3-AAADFA677AB1}"/>
               </a:ext>
             </a:extLst>
           </p:cNvPr>
@@ -642,7 +642,7 @@
           <p:cNvPr id="4" name="日期占位符 3">
             <a:extLst>
               <a:ext uri="{FF2B5EF4-FFF2-40B4-BE49-F238E27FC236}">
-                <a16:creationId xmlns:a16="http://schemas.microsoft.com/office/drawing/2014/main" id="{DCFFA95B-0178-A94C-A7A6-32316C6B2C0F}"/>
+                <a16:creationId xmlns:a16="http://schemas.microsoft.com/office/drawing/2014/main" id="{7F967D59-24B0-7818-0E4F-AB7BB60EFA09}"/>
               </a:ext>
             </a:extLst>
           </p:cNvPr>
@@ -658,7 +658,7 @@
           <a:bodyPr/>
           <a:lstStyle/>
           <a:p>
-            <a:fld id="{E281A5E7-3E6C-43D6-AF10-058CC5BAB8A8}" type="datetimeFigureOut">
+            <a:fld id="{29D40967-F5D4-49EB-BA37-DB0CB3859C78}" type="datetimeFigureOut">
               <a:rPr lang="zh-CN" altLang="en-US" smtClean="0"/>
               <a:t>2024/3/10</a:t>
             </a:fld>
@@ -671,7 +671,7 @@
           <p:cNvPr id="5" name="页脚占位符 4">
             <a:extLst>
               <a:ext uri="{FF2B5EF4-FFF2-40B4-BE49-F238E27FC236}">
-                <a16:creationId xmlns:a16="http://schemas.microsoft.com/office/drawing/2014/main" id="{6569C987-8936-654F-FE54-42EF9D5D9B99}"/>
+                <a16:creationId xmlns:a16="http://schemas.microsoft.com/office/drawing/2014/main" id="{C451ACEA-0A0F-F8B5-D4C8-74DEA2AD01E9}"/>
               </a:ext>
             </a:extLst>
           </p:cNvPr>
@@ -696,7 +696,7 @@
           <p:cNvPr id="6" name="灯片编号占位符 5">
             <a:extLst>
               <a:ext uri="{FF2B5EF4-FFF2-40B4-BE49-F238E27FC236}">
-                <a16:creationId xmlns:a16="http://schemas.microsoft.com/office/drawing/2014/main" id="{8EA096A5-E998-6D77-CBE0-781449C2FCA0}"/>
+                <a16:creationId xmlns:a16="http://schemas.microsoft.com/office/drawing/2014/main" id="{DC233019-B443-3876-84DF-CE3EF0FD2EC4}"/>
               </a:ext>
             </a:extLst>
           </p:cNvPr>
@@ -712,7 +712,7 @@
           <a:bodyPr/>
           <a:lstStyle/>
           <a:p>
-            <a:fld id="{4E2E5741-F4C8-463E-AE66-D1FB873E125C}" type="slidenum">
+            <a:fld id="{3276C5FF-5B62-42CB-B6B5-454CC9D34C5F}" type="slidenum">
               <a:rPr lang="zh-CN" altLang="en-US" smtClean="0"/>
               <a:t>‹#›</a:t>
             </a:fld>
@@ -723,7 +723,7 @@
     </p:spTree>
     <p:extLst>
       <p:ext uri="{BB962C8B-B14F-4D97-AF65-F5344CB8AC3E}">
-        <p14:creationId xmlns:p14="http://schemas.microsoft.com/office/powerpoint/2010/main" val="2487419905"/>
+        <p14:creationId xmlns:p14="http://schemas.microsoft.com/office/powerpoint/2010/main" val="28805608"/>
       </p:ext>
     </p:extLst>
   </p:cSld>
@@ -755,7 +755,7 @@
           <p:cNvPr id="2" name="标题 1">
             <a:extLst>
               <a:ext uri="{FF2B5EF4-FFF2-40B4-BE49-F238E27FC236}">
-                <a16:creationId xmlns:a16="http://schemas.microsoft.com/office/drawing/2014/main" id="{8F00851C-E394-3EDC-52D1-F92D592021A8}"/>
+                <a16:creationId xmlns:a16="http://schemas.microsoft.com/office/drawing/2014/main" id="{7FCF0241-4196-A738-8323-B51A67A68358}"/>
               </a:ext>
             </a:extLst>
           </p:cNvPr>
@@ -783,7 +783,7 @@
           <p:cNvPr id="3" name="内容占位符 2">
             <a:extLst>
               <a:ext uri="{FF2B5EF4-FFF2-40B4-BE49-F238E27FC236}">
-                <a16:creationId xmlns:a16="http://schemas.microsoft.com/office/drawing/2014/main" id="{70174A8E-5791-2587-A8BB-51A3D09C73A4}"/>
+                <a16:creationId xmlns:a16="http://schemas.microsoft.com/office/drawing/2014/main" id="{520AAA75-153A-C907-F0C9-05EB8B2779DA}"/>
               </a:ext>
             </a:extLst>
           </p:cNvPr>
@@ -840,7 +840,7 @@
           <p:cNvPr id="4" name="日期占位符 3">
             <a:extLst>
               <a:ext uri="{FF2B5EF4-FFF2-40B4-BE49-F238E27FC236}">
-                <a16:creationId xmlns:a16="http://schemas.microsoft.com/office/drawing/2014/main" id="{8E0A267C-4C3C-47AE-3E9D-E5E3D2075B7B}"/>
+                <a16:creationId xmlns:a16="http://schemas.microsoft.com/office/drawing/2014/main" id="{A76239C0-B18F-7BB7-3F7B-199864F5C12D}"/>
               </a:ext>
             </a:extLst>
           </p:cNvPr>
@@ -856,7 +856,7 @@
           <a:bodyPr/>
           <a:lstStyle/>
           <a:p>
-            <a:fld id="{E281A5E7-3E6C-43D6-AF10-058CC5BAB8A8}" type="datetimeFigureOut">
+            <a:fld id="{29D40967-F5D4-49EB-BA37-DB0CB3859C78}" type="datetimeFigureOut">
               <a:rPr lang="zh-CN" altLang="en-US" smtClean="0"/>
               <a:t>2024/3/10</a:t>
             </a:fld>
@@ -869,7 +869,7 @@
           <p:cNvPr id="5" name="页脚占位符 4">
             <a:extLst>
               <a:ext uri="{FF2B5EF4-FFF2-40B4-BE49-F238E27FC236}">
-                <a16:creationId xmlns:a16="http://schemas.microsoft.com/office/drawing/2014/main" id="{529A321A-CB48-4136-9360-B4035AEDCFD8}"/>
+                <a16:creationId xmlns:a16="http://schemas.microsoft.com/office/drawing/2014/main" id="{C5EA510D-98FC-FD23-5516-5636EA22BED0}"/>
               </a:ext>
             </a:extLst>
           </p:cNvPr>
@@ -894,7 +894,7 @@
           <p:cNvPr id="6" name="灯片编号占位符 5">
             <a:extLst>
               <a:ext uri="{FF2B5EF4-FFF2-40B4-BE49-F238E27FC236}">
-                <a16:creationId xmlns:a16="http://schemas.microsoft.com/office/drawing/2014/main" id="{7440A430-F256-B9BA-B69A-FC32E14A382D}"/>
+                <a16:creationId xmlns:a16="http://schemas.microsoft.com/office/drawing/2014/main" id="{0172E268-FA91-599E-8086-A0BBBC003823}"/>
               </a:ext>
             </a:extLst>
           </p:cNvPr>
@@ -910,7 +910,7 @@
           <a:bodyPr/>
           <a:lstStyle/>
           <a:p>
-            <a:fld id="{4E2E5741-F4C8-463E-AE66-D1FB873E125C}" type="slidenum">
+            <a:fld id="{3276C5FF-5B62-42CB-B6B5-454CC9D34C5F}" type="slidenum">
               <a:rPr lang="zh-CN" altLang="en-US" smtClean="0"/>
               <a:t>‹#›</a:t>
             </a:fld>
@@ -921,7 +921,7 @@
     </p:spTree>
     <p:extLst>
       <p:ext uri="{BB962C8B-B14F-4D97-AF65-F5344CB8AC3E}">
-        <p14:creationId xmlns:p14="http://schemas.microsoft.com/office/powerpoint/2010/main" val="1166007008"/>
+        <p14:creationId xmlns:p14="http://schemas.microsoft.com/office/powerpoint/2010/main" val="575418047"/>
       </p:ext>
     </p:extLst>
   </p:cSld>
@@ -953,7 +953,7 @@
           <p:cNvPr id="2" name="标题 1">
             <a:extLst>
               <a:ext uri="{FF2B5EF4-FFF2-40B4-BE49-F238E27FC236}">
-                <a16:creationId xmlns:a16="http://schemas.microsoft.com/office/drawing/2014/main" id="{C6A5A9AB-CE81-8240-480A-677E6F91E79E}"/>
+                <a16:creationId xmlns:a16="http://schemas.microsoft.com/office/drawing/2014/main" id="{BB08F92B-A01E-E86C-F543-1DDB1103DD37}"/>
               </a:ext>
             </a:extLst>
           </p:cNvPr>
@@ -990,7 +990,7 @@
           <p:cNvPr id="3" name="文本占位符 2">
             <a:extLst>
               <a:ext uri="{FF2B5EF4-FFF2-40B4-BE49-F238E27FC236}">
-                <a16:creationId xmlns:a16="http://schemas.microsoft.com/office/drawing/2014/main" id="{DCE2A90D-1141-3AE2-4DF4-38E59FB7E64E}"/>
+                <a16:creationId xmlns:a16="http://schemas.microsoft.com/office/drawing/2014/main" id="{49DE59FE-EB07-1A81-E3D1-884991A5A499}"/>
               </a:ext>
             </a:extLst>
           </p:cNvPr>
@@ -1115,7 +1115,7 @@
           <p:cNvPr id="4" name="日期占位符 3">
             <a:extLst>
               <a:ext uri="{FF2B5EF4-FFF2-40B4-BE49-F238E27FC236}">
-                <a16:creationId xmlns:a16="http://schemas.microsoft.com/office/drawing/2014/main" id="{9EF0F025-B40A-3DF4-3A76-995AD8A08822}"/>
+                <a16:creationId xmlns:a16="http://schemas.microsoft.com/office/drawing/2014/main" id="{B088906C-C38D-BBCD-34C1-C6F7736D5F5A}"/>
               </a:ext>
             </a:extLst>
           </p:cNvPr>
@@ -1131,7 +1131,7 @@
           <a:bodyPr/>
           <a:lstStyle/>
           <a:p>
-            <a:fld id="{E281A5E7-3E6C-43D6-AF10-058CC5BAB8A8}" type="datetimeFigureOut">
+            <a:fld id="{29D40967-F5D4-49EB-BA37-DB0CB3859C78}" type="datetimeFigureOut">
               <a:rPr lang="zh-CN" altLang="en-US" smtClean="0"/>
               <a:t>2024/3/10</a:t>
             </a:fld>
@@ -1144,7 +1144,7 @@
           <p:cNvPr id="5" name="页脚占位符 4">
             <a:extLst>
               <a:ext uri="{FF2B5EF4-FFF2-40B4-BE49-F238E27FC236}">
-                <a16:creationId xmlns:a16="http://schemas.microsoft.com/office/drawing/2014/main" id="{79AB6D81-797C-80B1-D7A1-FB695784E860}"/>
+                <a16:creationId xmlns:a16="http://schemas.microsoft.com/office/drawing/2014/main" id="{E4F27026-DA2C-FFEF-4655-94696CD6C97C}"/>
               </a:ext>
             </a:extLst>
           </p:cNvPr>
@@ -1169,7 +1169,7 @@
           <p:cNvPr id="6" name="灯片编号占位符 5">
             <a:extLst>
               <a:ext uri="{FF2B5EF4-FFF2-40B4-BE49-F238E27FC236}">
-                <a16:creationId xmlns:a16="http://schemas.microsoft.com/office/drawing/2014/main" id="{A02A0CC1-DD60-FCAA-6C26-6526140FC514}"/>
+                <a16:creationId xmlns:a16="http://schemas.microsoft.com/office/drawing/2014/main" id="{3AA15315-B98E-856E-5D58-DB7F2E95A7A4}"/>
               </a:ext>
             </a:extLst>
           </p:cNvPr>
@@ -1185,7 +1185,7 @@
           <a:bodyPr/>
           <a:lstStyle/>
           <a:p>
-            <a:fld id="{4E2E5741-F4C8-463E-AE66-D1FB873E125C}" type="slidenum">
+            <a:fld id="{3276C5FF-5B62-42CB-B6B5-454CC9D34C5F}" type="slidenum">
               <a:rPr lang="zh-CN" altLang="en-US" smtClean="0"/>
               <a:t>‹#›</a:t>
             </a:fld>
@@ -1196,7 +1196,7 @@
     </p:spTree>
     <p:extLst>
       <p:ext uri="{BB962C8B-B14F-4D97-AF65-F5344CB8AC3E}">
-        <p14:creationId xmlns:p14="http://schemas.microsoft.com/office/powerpoint/2010/main" val="2439590097"/>
+        <p14:creationId xmlns:p14="http://schemas.microsoft.com/office/powerpoint/2010/main" val="2116049165"/>
       </p:ext>
     </p:extLst>
   </p:cSld>
@@ -1228,7 +1228,7 @@
           <p:cNvPr id="2" name="标题 1">
             <a:extLst>
               <a:ext uri="{FF2B5EF4-FFF2-40B4-BE49-F238E27FC236}">
-                <a16:creationId xmlns:a16="http://schemas.microsoft.com/office/drawing/2014/main" id="{9CBAC87A-726E-04B2-29A2-6DE4092EEB14}"/>
+                <a16:creationId xmlns:a16="http://schemas.microsoft.com/office/drawing/2014/main" id="{2375006F-6914-E457-8A80-4A49135D0ED2}"/>
               </a:ext>
             </a:extLst>
           </p:cNvPr>
@@ -1256,7 +1256,7 @@
           <p:cNvPr id="3" name="内容占位符 2">
             <a:extLst>
               <a:ext uri="{FF2B5EF4-FFF2-40B4-BE49-F238E27FC236}">
-                <a16:creationId xmlns:a16="http://schemas.microsoft.com/office/drawing/2014/main" id="{4EF2FC92-AA49-A5FC-A01B-E2858C3BCB1C}"/>
+                <a16:creationId xmlns:a16="http://schemas.microsoft.com/office/drawing/2014/main" id="{D7D3327A-A4CE-C98E-B5C4-DDA72A2D67F6}"/>
               </a:ext>
             </a:extLst>
           </p:cNvPr>
@@ -1318,7 +1318,7 @@
           <p:cNvPr id="4" name="内容占位符 3">
             <a:extLst>
               <a:ext uri="{FF2B5EF4-FFF2-40B4-BE49-F238E27FC236}">
-                <a16:creationId xmlns:a16="http://schemas.microsoft.com/office/drawing/2014/main" id="{BB4511BF-8F87-6716-7427-C3F62D4A2F93}"/>
+                <a16:creationId xmlns:a16="http://schemas.microsoft.com/office/drawing/2014/main" id="{B817E6EE-F71C-B031-7065-32BF69490CF1}"/>
               </a:ext>
             </a:extLst>
           </p:cNvPr>
@@ -1380,7 +1380,7 @@
           <p:cNvPr id="5" name="日期占位符 4">
             <a:extLst>
               <a:ext uri="{FF2B5EF4-FFF2-40B4-BE49-F238E27FC236}">
-                <a16:creationId xmlns:a16="http://schemas.microsoft.com/office/drawing/2014/main" id="{4A60247D-0365-B5D0-C969-5AF5B90403B4}"/>
+                <a16:creationId xmlns:a16="http://schemas.microsoft.com/office/drawing/2014/main" id="{96A755A9-5AF0-1E8C-0152-3899711CAD18}"/>
               </a:ext>
             </a:extLst>
           </p:cNvPr>
@@ -1396,7 +1396,7 @@
           <a:bodyPr/>
           <a:lstStyle/>
           <a:p>
-            <a:fld id="{E281A5E7-3E6C-43D6-AF10-058CC5BAB8A8}" type="datetimeFigureOut">
+            <a:fld id="{29D40967-F5D4-49EB-BA37-DB0CB3859C78}" type="datetimeFigureOut">
               <a:rPr lang="zh-CN" altLang="en-US" smtClean="0"/>
               <a:t>2024/3/10</a:t>
             </a:fld>
@@ -1409,7 +1409,7 @@
           <p:cNvPr id="6" name="页脚占位符 5">
             <a:extLst>
               <a:ext uri="{FF2B5EF4-FFF2-40B4-BE49-F238E27FC236}">
-                <a16:creationId xmlns:a16="http://schemas.microsoft.com/office/drawing/2014/main" id="{42EBC922-A67D-6682-030B-D42426CB809D}"/>
+                <a16:creationId xmlns:a16="http://schemas.microsoft.com/office/drawing/2014/main" id="{E21BE614-2485-F580-7F74-6D2595A8FE33}"/>
               </a:ext>
             </a:extLst>
           </p:cNvPr>
@@ -1434,7 +1434,7 @@
           <p:cNvPr id="7" name="灯片编号占位符 6">
             <a:extLst>
               <a:ext uri="{FF2B5EF4-FFF2-40B4-BE49-F238E27FC236}">
-                <a16:creationId xmlns:a16="http://schemas.microsoft.com/office/drawing/2014/main" id="{544645D8-B2F9-5927-DB90-D24EE528D0DC}"/>
+                <a16:creationId xmlns:a16="http://schemas.microsoft.com/office/drawing/2014/main" id="{58E53283-0C97-1F29-2E7E-41BBDF157DBE}"/>
               </a:ext>
             </a:extLst>
           </p:cNvPr>
@@ -1450,7 +1450,7 @@
           <a:bodyPr/>
           <a:lstStyle/>
           <a:p>
-            <a:fld id="{4E2E5741-F4C8-463E-AE66-D1FB873E125C}" type="slidenum">
+            <a:fld id="{3276C5FF-5B62-42CB-B6B5-454CC9D34C5F}" type="slidenum">
               <a:rPr lang="zh-CN" altLang="en-US" smtClean="0"/>
               <a:t>‹#›</a:t>
             </a:fld>
@@ -1461,7 +1461,7 @@
     </p:spTree>
     <p:extLst>
       <p:ext uri="{BB962C8B-B14F-4D97-AF65-F5344CB8AC3E}">
-        <p14:creationId xmlns:p14="http://schemas.microsoft.com/office/powerpoint/2010/main" val="3056947507"/>
+        <p14:creationId xmlns:p14="http://schemas.microsoft.com/office/powerpoint/2010/main" val="590748484"/>
       </p:ext>
     </p:extLst>
   </p:cSld>
@@ -1493,7 +1493,7 @@
           <p:cNvPr id="2" name="标题 1">
             <a:extLst>
               <a:ext uri="{FF2B5EF4-FFF2-40B4-BE49-F238E27FC236}">
-                <a16:creationId xmlns:a16="http://schemas.microsoft.com/office/drawing/2014/main" id="{57D4C1D3-D8C0-7D1A-598F-1614B9993D36}"/>
+                <a16:creationId xmlns:a16="http://schemas.microsoft.com/office/drawing/2014/main" id="{16D4E947-3751-05B6-59D4-0B10BCD07371}"/>
               </a:ext>
             </a:extLst>
           </p:cNvPr>
@@ -1526,7 +1526,7 @@
           <p:cNvPr id="3" name="文本占位符 2">
             <a:extLst>
               <a:ext uri="{FF2B5EF4-FFF2-40B4-BE49-F238E27FC236}">
-                <a16:creationId xmlns:a16="http://schemas.microsoft.com/office/drawing/2014/main" id="{658FC874-BE3C-A56F-7AAF-8E6C2945FAD8}"/>
+                <a16:creationId xmlns:a16="http://schemas.microsoft.com/office/drawing/2014/main" id="{EAC1342E-2CDB-9FD4-EE33-863C40BA1CA1}"/>
               </a:ext>
             </a:extLst>
           </p:cNvPr>
@@ -1597,7 +1597,7 @@
           <p:cNvPr id="4" name="内容占位符 3">
             <a:extLst>
               <a:ext uri="{FF2B5EF4-FFF2-40B4-BE49-F238E27FC236}">
-                <a16:creationId xmlns:a16="http://schemas.microsoft.com/office/drawing/2014/main" id="{39441C99-D98E-3C8E-6A51-EE71CEC2724B}"/>
+                <a16:creationId xmlns:a16="http://schemas.microsoft.com/office/drawing/2014/main" id="{C609654C-CE51-0262-3571-1A57372ED258}"/>
               </a:ext>
             </a:extLst>
           </p:cNvPr>
@@ -1659,7 +1659,7 @@
           <p:cNvPr id="5" name="文本占位符 4">
             <a:extLst>
               <a:ext uri="{FF2B5EF4-FFF2-40B4-BE49-F238E27FC236}">
-                <a16:creationId xmlns:a16="http://schemas.microsoft.com/office/drawing/2014/main" id="{CB4E5B1B-FA4B-86F1-FB51-A7B08E1F3003}"/>
+                <a16:creationId xmlns:a16="http://schemas.microsoft.com/office/drawing/2014/main" id="{FACB096E-9E8A-2316-5874-666DBCC09346}"/>
               </a:ext>
             </a:extLst>
           </p:cNvPr>
@@ -1730,7 +1730,7 @@
           <p:cNvPr id="6" name="内容占位符 5">
             <a:extLst>
               <a:ext uri="{FF2B5EF4-FFF2-40B4-BE49-F238E27FC236}">
-                <a16:creationId xmlns:a16="http://schemas.microsoft.com/office/drawing/2014/main" id="{4854865B-CC69-432B-8210-87A7ED35E6E3}"/>
+                <a16:creationId xmlns:a16="http://schemas.microsoft.com/office/drawing/2014/main" id="{CBECB023-2FEB-5A4F-9C40-7365331A949F}"/>
               </a:ext>
             </a:extLst>
           </p:cNvPr>
@@ -1792,7 +1792,7 @@
           <p:cNvPr id="7" name="日期占位符 6">
             <a:extLst>
               <a:ext uri="{FF2B5EF4-FFF2-40B4-BE49-F238E27FC236}">
-                <a16:creationId xmlns:a16="http://schemas.microsoft.com/office/drawing/2014/main" id="{7B103CA4-A361-5C1A-1222-FEE0DDE5DEB7}"/>
+                <a16:creationId xmlns:a16="http://schemas.microsoft.com/office/drawing/2014/main" id="{5EFE6B00-9E5D-04B6-51F6-7267C2C7139C}"/>
               </a:ext>
             </a:extLst>
           </p:cNvPr>
@@ -1808,7 +1808,7 @@
           <a:bodyPr/>
           <a:lstStyle/>
           <a:p>
-            <a:fld id="{E281A5E7-3E6C-43D6-AF10-058CC5BAB8A8}" type="datetimeFigureOut">
+            <a:fld id="{29D40967-F5D4-49EB-BA37-DB0CB3859C78}" type="datetimeFigureOut">
               <a:rPr lang="zh-CN" altLang="en-US" smtClean="0"/>
               <a:t>2024/3/10</a:t>
             </a:fld>
@@ -1821,7 +1821,7 @@
           <p:cNvPr id="8" name="页脚占位符 7">
             <a:extLst>
               <a:ext uri="{FF2B5EF4-FFF2-40B4-BE49-F238E27FC236}">
-                <a16:creationId xmlns:a16="http://schemas.microsoft.com/office/drawing/2014/main" id="{0A597558-8933-1F85-94C3-2EEC62AF5C9B}"/>
+                <a16:creationId xmlns:a16="http://schemas.microsoft.com/office/drawing/2014/main" id="{6DBAAC28-F4AD-B0D8-DD5E-9DD845AE133E}"/>
               </a:ext>
             </a:extLst>
           </p:cNvPr>
@@ -1846,7 +1846,7 @@
           <p:cNvPr id="9" name="灯片编号占位符 8">
             <a:extLst>
               <a:ext uri="{FF2B5EF4-FFF2-40B4-BE49-F238E27FC236}">
-                <a16:creationId xmlns:a16="http://schemas.microsoft.com/office/drawing/2014/main" id="{060E4FE2-C488-C0ED-2A54-32EAA750C594}"/>
+                <a16:creationId xmlns:a16="http://schemas.microsoft.com/office/drawing/2014/main" id="{C6CBF255-713F-87E7-607B-C964AD020FC1}"/>
               </a:ext>
             </a:extLst>
           </p:cNvPr>
@@ -1862,7 +1862,7 @@
           <a:bodyPr/>
           <a:lstStyle/>
           <a:p>
-            <a:fld id="{4E2E5741-F4C8-463E-AE66-D1FB873E125C}" type="slidenum">
+            <a:fld id="{3276C5FF-5B62-42CB-B6B5-454CC9D34C5F}" type="slidenum">
               <a:rPr lang="zh-CN" altLang="en-US" smtClean="0"/>
               <a:t>‹#›</a:t>
             </a:fld>
@@ -1873,7 +1873,7 @@
     </p:spTree>
     <p:extLst>
       <p:ext uri="{BB962C8B-B14F-4D97-AF65-F5344CB8AC3E}">
-        <p14:creationId xmlns:p14="http://schemas.microsoft.com/office/powerpoint/2010/main" val="3831863272"/>
+        <p14:creationId xmlns:p14="http://schemas.microsoft.com/office/powerpoint/2010/main" val="3400664363"/>
       </p:ext>
     </p:extLst>
   </p:cSld>
@@ -1905,7 +1905,7 @@
           <p:cNvPr id="2" name="标题 1">
             <a:extLst>
               <a:ext uri="{FF2B5EF4-FFF2-40B4-BE49-F238E27FC236}">
-                <a16:creationId xmlns:a16="http://schemas.microsoft.com/office/drawing/2014/main" id="{68EB73E4-889B-F507-9494-E91BCD54FAA1}"/>
+                <a16:creationId xmlns:a16="http://schemas.microsoft.com/office/drawing/2014/main" id="{FA68EA68-BB75-EE8D-C577-DD4A76A8CA43}"/>
               </a:ext>
             </a:extLst>
           </p:cNvPr>
@@ -1933,7 +1933,7 @@
           <p:cNvPr id="3" name="日期占位符 2">
             <a:extLst>
               <a:ext uri="{FF2B5EF4-FFF2-40B4-BE49-F238E27FC236}">
-                <a16:creationId xmlns:a16="http://schemas.microsoft.com/office/drawing/2014/main" id="{0903EBCC-0484-371E-094C-23E3DEF0A8AB}"/>
+                <a16:creationId xmlns:a16="http://schemas.microsoft.com/office/drawing/2014/main" id="{85C63AAE-55A9-7444-ABF4-C8DF8FE2923B}"/>
               </a:ext>
             </a:extLst>
           </p:cNvPr>
@@ -1949,7 +1949,7 @@
           <a:bodyPr/>
           <a:lstStyle/>
           <a:p>
-            <a:fld id="{E281A5E7-3E6C-43D6-AF10-058CC5BAB8A8}" type="datetimeFigureOut">
+            <a:fld id="{29D40967-F5D4-49EB-BA37-DB0CB3859C78}" type="datetimeFigureOut">
               <a:rPr lang="zh-CN" altLang="en-US" smtClean="0"/>
               <a:t>2024/3/10</a:t>
             </a:fld>
@@ -1962,7 +1962,7 @@
           <p:cNvPr id="4" name="页脚占位符 3">
             <a:extLst>
               <a:ext uri="{FF2B5EF4-FFF2-40B4-BE49-F238E27FC236}">
-                <a16:creationId xmlns:a16="http://schemas.microsoft.com/office/drawing/2014/main" id="{898B6FD9-DCF1-8AF5-88C3-80596BC068EF}"/>
+                <a16:creationId xmlns:a16="http://schemas.microsoft.com/office/drawing/2014/main" id="{909D9DF6-9F33-E43D-9AC0-79ADCDDB123E}"/>
               </a:ext>
             </a:extLst>
           </p:cNvPr>
@@ -1987,7 +1987,7 @@
           <p:cNvPr id="5" name="灯片编号占位符 4">
             <a:extLst>
               <a:ext uri="{FF2B5EF4-FFF2-40B4-BE49-F238E27FC236}">
-                <a16:creationId xmlns:a16="http://schemas.microsoft.com/office/drawing/2014/main" id="{8D6E7461-E54B-1F09-B8B2-173FD785A2C2}"/>
+                <a16:creationId xmlns:a16="http://schemas.microsoft.com/office/drawing/2014/main" id="{1908B7DF-E132-A307-D4A8-72D97338AC9E}"/>
               </a:ext>
             </a:extLst>
           </p:cNvPr>
@@ -2003,7 +2003,7 @@
           <a:bodyPr/>
           <a:lstStyle/>
           <a:p>
-            <a:fld id="{4E2E5741-F4C8-463E-AE66-D1FB873E125C}" type="slidenum">
+            <a:fld id="{3276C5FF-5B62-42CB-B6B5-454CC9D34C5F}" type="slidenum">
               <a:rPr lang="zh-CN" altLang="en-US" smtClean="0"/>
               <a:t>‹#›</a:t>
             </a:fld>
@@ -2014,7 +2014,7 @@
     </p:spTree>
     <p:extLst>
       <p:ext uri="{BB962C8B-B14F-4D97-AF65-F5344CB8AC3E}">
-        <p14:creationId xmlns:p14="http://schemas.microsoft.com/office/powerpoint/2010/main" val="1820827669"/>
+        <p14:creationId xmlns:p14="http://schemas.microsoft.com/office/powerpoint/2010/main" val="3956943751"/>
       </p:ext>
     </p:extLst>
   </p:cSld>
@@ -2046,7 +2046,7 @@
           <p:cNvPr id="2" name="日期占位符 1">
             <a:extLst>
               <a:ext uri="{FF2B5EF4-FFF2-40B4-BE49-F238E27FC236}">
-                <a16:creationId xmlns:a16="http://schemas.microsoft.com/office/drawing/2014/main" id="{095C8AC4-2D6D-B9D2-FEE5-64D86EA662E4}"/>
+                <a16:creationId xmlns:a16="http://schemas.microsoft.com/office/drawing/2014/main" id="{9C21812D-0F11-6B5E-EB2A-2A168F7F05B8}"/>
               </a:ext>
             </a:extLst>
           </p:cNvPr>
@@ -2062,7 +2062,7 @@
           <a:bodyPr/>
           <a:lstStyle/>
           <a:p>
-            <a:fld id="{E281A5E7-3E6C-43D6-AF10-058CC5BAB8A8}" type="datetimeFigureOut">
+            <a:fld id="{29D40967-F5D4-49EB-BA37-DB0CB3859C78}" type="datetimeFigureOut">
               <a:rPr lang="zh-CN" altLang="en-US" smtClean="0"/>
               <a:t>2024/3/10</a:t>
             </a:fld>
@@ -2075,7 +2075,7 @@
           <p:cNvPr id="3" name="页脚占位符 2">
             <a:extLst>
               <a:ext uri="{FF2B5EF4-FFF2-40B4-BE49-F238E27FC236}">
-                <a16:creationId xmlns:a16="http://schemas.microsoft.com/office/drawing/2014/main" id="{DD8F6D07-E73E-704A-5EE2-5B29EB2CE311}"/>
+                <a16:creationId xmlns:a16="http://schemas.microsoft.com/office/drawing/2014/main" id="{E08954FB-51CC-9C2D-F9A2-CEC9EB80FA5F}"/>
               </a:ext>
             </a:extLst>
           </p:cNvPr>
@@ -2100,7 +2100,7 @@
           <p:cNvPr id="4" name="灯片编号占位符 3">
             <a:extLst>
               <a:ext uri="{FF2B5EF4-FFF2-40B4-BE49-F238E27FC236}">
-                <a16:creationId xmlns:a16="http://schemas.microsoft.com/office/drawing/2014/main" id="{659BAFE0-46FC-50FA-9053-4D8E43EA9818}"/>
+                <a16:creationId xmlns:a16="http://schemas.microsoft.com/office/drawing/2014/main" id="{8EC9EACC-57D0-F197-9BB8-AA8814913F6A}"/>
               </a:ext>
             </a:extLst>
           </p:cNvPr>
@@ -2116,7 +2116,7 @@
           <a:bodyPr/>
           <a:lstStyle/>
           <a:p>
-            <a:fld id="{4E2E5741-F4C8-463E-AE66-D1FB873E125C}" type="slidenum">
+            <a:fld id="{3276C5FF-5B62-42CB-B6B5-454CC9D34C5F}" type="slidenum">
               <a:rPr lang="zh-CN" altLang="en-US" smtClean="0"/>
               <a:t>‹#›</a:t>
             </a:fld>
@@ -2127,7 +2127,7 @@
     </p:spTree>
     <p:extLst>
       <p:ext uri="{BB962C8B-B14F-4D97-AF65-F5344CB8AC3E}">
-        <p14:creationId xmlns:p14="http://schemas.microsoft.com/office/powerpoint/2010/main" val="723734214"/>
+        <p14:creationId xmlns:p14="http://schemas.microsoft.com/office/powerpoint/2010/main" val="2713695722"/>
       </p:ext>
     </p:extLst>
   </p:cSld>
@@ -2159,7 +2159,7 @@
           <p:cNvPr id="2" name="标题 1">
             <a:extLst>
               <a:ext uri="{FF2B5EF4-FFF2-40B4-BE49-F238E27FC236}">
-                <a16:creationId xmlns:a16="http://schemas.microsoft.com/office/drawing/2014/main" id="{A551D931-323E-7ABE-6EC8-BE8D394B42E8}"/>
+                <a16:creationId xmlns:a16="http://schemas.microsoft.com/office/drawing/2014/main" id="{D5B9AF38-0433-B7BD-1806-632E0AE4EE9A}"/>
               </a:ext>
             </a:extLst>
           </p:cNvPr>
@@ -2196,7 +2196,7 @@
           <p:cNvPr id="3" name="内容占位符 2">
             <a:extLst>
               <a:ext uri="{FF2B5EF4-FFF2-40B4-BE49-F238E27FC236}">
-                <a16:creationId xmlns:a16="http://schemas.microsoft.com/office/drawing/2014/main" id="{6B36473F-9528-F415-D1E6-AF7553AC33BE}"/>
+                <a16:creationId xmlns:a16="http://schemas.microsoft.com/office/drawing/2014/main" id="{CFC952A9-A55B-6C11-D77F-4AB433AAD236}"/>
               </a:ext>
             </a:extLst>
           </p:cNvPr>
@@ -2286,7 +2286,7 @@
           <p:cNvPr id="4" name="文本占位符 3">
             <a:extLst>
               <a:ext uri="{FF2B5EF4-FFF2-40B4-BE49-F238E27FC236}">
-                <a16:creationId xmlns:a16="http://schemas.microsoft.com/office/drawing/2014/main" id="{8A6DD8A7-3B10-2153-18B5-77497E7E603B}"/>
+                <a16:creationId xmlns:a16="http://schemas.microsoft.com/office/drawing/2014/main" id="{20BEF2FC-EF74-D9A7-2585-FC3A5EC89312}"/>
               </a:ext>
             </a:extLst>
           </p:cNvPr>
@@ -2357,7 +2357,7 @@
           <p:cNvPr id="5" name="日期占位符 4">
             <a:extLst>
               <a:ext uri="{FF2B5EF4-FFF2-40B4-BE49-F238E27FC236}">
-                <a16:creationId xmlns:a16="http://schemas.microsoft.com/office/drawing/2014/main" id="{FC9DC1F0-B306-4565-A940-EE78D0AFCD5C}"/>
+                <a16:creationId xmlns:a16="http://schemas.microsoft.com/office/drawing/2014/main" id="{0DF15418-A74D-B6B2-889B-180E0ADA586D}"/>
               </a:ext>
             </a:extLst>
           </p:cNvPr>
@@ -2373,7 +2373,7 @@
           <a:bodyPr/>
           <a:lstStyle/>
           <a:p>
-            <a:fld id="{E281A5E7-3E6C-43D6-AF10-058CC5BAB8A8}" type="datetimeFigureOut">
+            <a:fld id="{29D40967-F5D4-49EB-BA37-DB0CB3859C78}" type="datetimeFigureOut">
               <a:rPr lang="zh-CN" altLang="en-US" smtClean="0"/>
               <a:t>2024/3/10</a:t>
             </a:fld>
@@ -2386,7 +2386,7 @@
           <p:cNvPr id="6" name="页脚占位符 5">
             <a:extLst>
               <a:ext uri="{FF2B5EF4-FFF2-40B4-BE49-F238E27FC236}">
-                <a16:creationId xmlns:a16="http://schemas.microsoft.com/office/drawing/2014/main" id="{220BE263-D2E5-4CA6-DD18-446D4777D14A}"/>
+                <a16:creationId xmlns:a16="http://schemas.microsoft.com/office/drawing/2014/main" id="{03BE8717-598D-A2C5-3C62-8F87452545BB}"/>
               </a:ext>
             </a:extLst>
           </p:cNvPr>
@@ -2411,7 +2411,7 @@
           <p:cNvPr id="7" name="灯片编号占位符 6">
             <a:extLst>
               <a:ext uri="{FF2B5EF4-FFF2-40B4-BE49-F238E27FC236}">
-                <a16:creationId xmlns:a16="http://schemas.microsoft.com/office/drawing/2014/main" id="{75143197-5B80-5CFF-5041-4CA59540CCC4}"/>
+                <a16:creationId xmlns:a16="http://schemas.microsoft.com/office/drawing/2014/main" id="{23914D3C-D236-E4B7-D969-537BCC420D48}"/>
               </a:ext>
             </a:extLst>
           </p:cNvPr>
@@ -2427,7 +2427,7 @@
           <a:bodyPr/>
           <a:lstStyle/>
           <a:p>
-            <a:fld id="{4E2E5741-F4C8-463E-AE66-D1FB873E125C}" type="slidenum">
+            <a:fld id="{3276C5FF-5B62-42CB-B6B5-454CC9D34C5F}" type="slidenum">
               <a:rPr lang="zh-CN" altLang="en-US" smtClean="0"/>
               <a:t>‹#›</a:t>
             </a:fld>
@@ -2438,7 +2438,7 @@
     </p:spTree>
     <p:extLst>
       <p:ext uri="{BB962C8B-B14F-4D97-AF65-F5344CB8AC3E}">
-        <p14:creationId xmlns:p14="http://schemas.microsoft.com/office/powerpoint/2010/main" val="2901479750"/>
+        <p14:creationId xmlns:p14="http://schemas.microsoft.com/office/powerpoint/2010/main" val="2909576158"/>
       </p:ext>
     </p:extLst>
   </p:cSld>
@@ -2470,7 +2470,7 @@
           <p:cNvPr id="2" name="标题 1">
             <a:extLst>
               <a:ext uri="{FF2B5EF4-FFF2-40B4-BE49-F238E27FC236}">
-                <a16:creationId xmlns:a16="http://schemas.microsoft.com/office/drawing/2014/main" id="{EEA56717-2912-E47D-302C-F74948C0D272}"/>
+                <a16:creationId xmlns:a16="http://schemas.microsoft.com/office/drawing/2014/main" id="{89305627-F1B5-901A-336C-1A33BCADE721}"/>
               </a:ext>
             </a:extLst>
           </p:cNvPr>
@@ -2507,7 +2507,7 @@
           <p:cNvPr id="3" name="图片占位符 2">
             <a:extLst>
               <a:ext uri="{FF2B5EF4-FFF2-40B4-BE49-F238E27FC236}">
-                <a16:creationId xmlns:a16="http://schemas.microsoft.com/office/drawing/2014/main" id="{E36FAA30-E7E4-0B2F-E213-F609E4FDF799}"/>
+                <a16:creationId xmlns:a16="http://schemas.microsoft.com/office/drawing/2014/main" id="{941B4346-042E-E5F7-C28A-E12B22CFF07B}"/>
               </a:ext>
             </a:extLst>
           </p:cNvPr>
@@ -2574,7 +2574,7 @@
           <p:cNvPr id="4" name="文本占位符 3">
             <a:extLst>
               <a:ext uri="{FF2B5EF4-FFF2-40B4-BE49-F238E27FC236}">
-                <a16:creationId xmlns:a16="http://schemas.microsoft.com/office/drawing/2014/main" id="{48F5F06D-BAD5-95C6-128C-264FBB5D44B9}"/>
+                <a16:creationId xmlns:a16="http://schemas.microsoft.com/office/drawing/2014/main" id="{8B8B633B-D851-EDD3-ED10-46DFB6311561}"/>
               </a:ext>
             </a:extLst>
           </p:cNvPr>
@@ -2645,7 +2645,7 @@
           <p:cNvPr id="5" name="日期占位符 4">
             <a:extLst>
               <a:ext uri="{FF2B5EF4-FFF2-40B4-BE49-F238E27FC236}">
-                <a16:creationId xmlns:a16="http://schemas.microsoft.com/office/drawing/2014/main" id="{AB916358-29CF-95F5-9F2E-0414C65E516C}"/>
+                <a16:creationId xmlns:a16="http://schemas.microsoft.com/office/drawing/2014/main" id="{FAACB584-CFE9-354B-CA84-4FB389D800B1}"/>
               </a:ext>
             </a:extLst>
           </p:cNvPr>
@@ -2661,7 +2661,7 @@
           <a:bodyPr/>
           <a:lstStyle/>
           <a:p>
-            <a:fld id="{E281A5E7-3E6C-43D6-AF10-058CC5BAB8A8}" type="datetimeFigureOut">
+            <a:fld id="{29D40967-F5D4-49EB-BA37-DB0CB3859C78}" type="datetimeFigureOut">
               <a:rPr lang="zh-CN" altLang="en-US" smtClean="0"/>
               <a:t>2024/3/10</a:t>
             </a:fld>
@@ -2674,7 +2674,7 @@
           <p:cNvPr id="6" name="页脚占位符 5">
             <a:extLst>
               <a:ext uri="{FF2B5EF4-FFF2-40B4-BE49-F238E27FC236}">
-                <a16:creationId xmlns:a16="http://schemas.microsoft.com/office/drawing/2014/main" id="{2EA529A9-518E-2510-B67D-319196B1265E}"/>
+                <a16:creationId xmlns:a16="http://schemas.microsoft.com/office/drawing/2014/main" id="{AD315BA5-304D-EFFC-3A5F-59FED0CCD45B}"/>
               </a:ext>
             </a:extLst>
           </p:cNvPr>
@@ -2699,7 +2699,7 @@
           <p:cNvPr id="7" name="灯片编号占位符 6">
             <a:extLst>
               <a:ext uri="{FF2B5EF4-FFF2-40B4-BE49-F238E27FC236}">
-                <a16:creationId xmlns:a16="http://schemas.microsoft.com/office/drawing/2014/main" id="{637E531A-B682-C569-15C9-714E6050C050}"/>
+                <a16:creationId xmlns:a16="http://schemas.microsoft.com/office/drawing/2014/main" id="{90326510-6076-27E6-E6BC-EBC50770917A}"/>
               </a:ext>
             </a:extLst>
           </p:cNvPr>
@@ -2715,7 +2715,7 @@
           <a:bodyPr/>
           <a:lstStyle/>
           <a:p>
-            <a:fld id="{4E2E5741-F4C8-463E-AE66-D1FB873E125C}" type="slidenum">
+            <a:fld id="{3276C5FF-5B62-42CB-B6B5-454CC9D34C5F}" type="slidenum">
               <a:rPr lang="zh-CN" altLang="en-US" smtClean="0"/>
               <a:t>‹#›</a:t>
             </a:fld>
@@ -2726,7 +2726,7 @@
     </p:spTree>
     <p:extLst>
       <p:ext uri="{BB962C8B-B14F-4D97-AF65-F5344CB8AC3E}">
-        <p14:creationId xmlns:p14="http://schemas.microsoft.com/office/powerpoint/2010/main" val="2277577935"/>
+        <p14:creationId xmlns:p14="http://schemas.microsoft.com/office/powerpoint/2010/main" val="3735673971"/>
       </p:ext>
     </p:extLst>
   </p:cSld>
@@ -2763,7 +2763,7 @@
           <p:cNvPr id="2" name="标题占位符 1">
             <a:extLst>
               <a:ext uri="{FF2B5EF4-FFF2-40B4-BE49-F238E27FC236}">
-                <a16:creationId xmlns:a16="http://schemas.microsoft.com/office/drawing/2014/main" id="{F8D2A19E-9970-A244-B7C3-6FAA80155AFD}"/>
+                <a16:creationId xmlns:a16="http://schemas.microsoft.com/office/drawing/2014/main" id="{7350E146-5FDE-EFF9-9763-7B9F5D1BFDA1}"/>
               </a:ext>
             </a:extLst>
           </p:cNvPr>
@@ -2801,7 +2801,7 @@
           <p:cNvPr id="3" name="文本占位符 2">
             <a:extLst>
               <a:ext uri="{FF2B5EF4-FFF2-40B4-BE49-F238E27FC236}">
-                <a16:creationId xmlns:a16="http://schemas.microsoft.com/office/drawing/2014/main" id="{E53DDE3D-4FD5-2D15-85CA-1F9063F029E4}"/>
+                <a16:creationId xmlns:a16="http://schemas.microsoft.com/office/drawing/2014/main" id="{05265EEA-C177-A5AC-4044-F3FD3F5FE63C}"/>
               </a:ext>
             </a:extLst>
           </p:cNvPr>
@@ -2868,7 +2868,7 @@
           <p:cNvPr id="4" name="日期占位符 3">
             <a:extLst>
               <a:ext uri="{FF2B5EF4-FFF2-40B4-BE49-F238E27FC236}">
-                <a16:creationId xmlns:a16="http://schemas.microsoft.com/office/drawing/2014/main" id="{BA26158C-DE33-B39D-79B9-ABACBB9A3D2B}"/>
+                <a16:creationId xmlns:a16="http://schemas.microsoft.com/office/drawing/2014/main" id="{92968D24-9CE1-75D2-EBA0-D7EA63AF0489}"/>
               </a:ext>
             </a:extLst>
           </p:cNvPr>
@@ -2902,7 +2902,7 @@
             </a:lvl1pPr>
           </a:lstStyle>
           <a:p>
-            <a:fld id="{E281A5E7-3E6C-43D6-AF10-058CC5BAB8A8}" type="datetimeFigureOut">
+            <a:fld id="{29D40967-F5D4-49EB-BA37-DB0CB3859C78}" type="datetimeFigureOut">
               <a:rPr lang="zh-CN" altLang="en-US" smtClean="0"/>
               <a:t>2024/3/10</a:t>
             </a:fld>
@@ -2915,7 +2915,7 @@
           <p:cNvPr id="5" name="页脚占位符 4">
             <a:extLst>
               <a:ext uri="{FF2B5EF4-FFF2-40B4-BE49-F238E27FC236}">
-                <a16:creationId xmlns:a16="http://schemas.microsoft.com/office/drawing/2014/main" id="{D85157FB-7AD6-F60A-3CBC-58C7AD239E8D}"/>
+                <a16:creationId xmlns:a16="http://schemas.microsoft.com/office/drawing/2014/main" id="{EDD6737C-B218-C924-46F7-EB618D004784}"/>
               </a:ext>
             </a:extLst>
           </p:cNvPr>
@@ -2958,7 +2958,7 @@
           <p:cNvPr id="6" name="灯片编号占位符 5">
             <a:extLst>
               <a:ext uri="{FF2B5EF4-FFF2-40B4-BE49-F238E27FC236}">
-                <a16:creationId xmlns:a16="http://schemas.microsoft.com/office/drawing/2014/main" id="{C35113B6-9FA9-B56D-C545-731F5D244F85}"/>
+                <a16:creationId xmlns:a16="http://schemas.microsoft.com/office/drawing/2014/main" id="{9397694B-54A9-F03D-A11B-D514CC84235F}"/>
               </a:ext>
             </a:extLst>
           </p:cNvPr>
@@ -2992,7 +2992,7 @@
             </a:lvl1pPr>
           </a:lstStyle>
           <a:p>
-            <a:fld id="{4E2E5741-F4C8-463E-AE66-D1FB873E125C}" type="slidenum">
+            <a:fld id="{3276C5FF-5B62-42CB-B6B5-454CC9D34C5F}" type="slidenum">
               <a:rPr lang="zh-CN" altLang="en-US" smtClean="0"/>
               <a:t>‹#›</a:t>
             </a:fld>
@@ -3003,7 +3003,7 @@
     </p:spTree>
     <p:extLst>
       <p:ext uri="{BB962C8B-B14F-4D97-AF65-F5344CB8AC3E}">
-        <p14:creationId xmlns:p14="http://schemas.microsoft.com/office/powerpoint/2010/main" val="934457874"/>
+        <p14:creationId xmlns:p14="http://schemas.microsoft.com/office/powerpoint/2010/main" val="1988386107"/>
       </p:ext>
     </p:extLst>
   </p:cSld>
@@ -3321,9 +3321,29 @@
           <a:chExt cx="0" cy="0"/>
         </a:xfrm>
       </p:grpSpPr>
+      <p:sp>
+        <p:nvSpPr>
+          <p:cNvPr id="1011714" name="Rectangle 2"/>
+          <p:cNvSpPr>
+            <a:spLocks noGrp="1" noChangeArrowheads="1"/>
+          </p:cNvSpPr>
+          <p:nvPr>
+            <p:ph type="title"/>
+          </p:nvPr>
+        </p:nvSpPr>
+        <p:spPr/>
+        <p:txBody>
+          <a:bodyPr/>
+          <a:lstStyle/>
+          <a:p>
+            <a:pPr eaLnBrk="1" hangingPunct="1"/>
+            <a:endParaRPr lang="zh-CN" altLang="zh-CN"/>
+          </a:p>
+        </p:txBody>
+      </p:sp>
       <p:pic>
         <p:nvPicPr>
-          <p:cNvPr id="1010690" name="Picture 2" descr="986"/>
+          <p:cNvPr id="1011715" name="Picture 3" descr="987_副本_副本"/>
           <p:cNvPicPr>
             <a:picLocks noChangeAspect="1" noChangeArrowheads="1"/>
           </p:cNvPicPr>
@@ -3344,8 +3364,8 @@
         </p:blipFill>
         <p:spPr bwMode="auto">
           <a:xfrm>
-            <a:off x="1524000" y="1"/>
-            <a:ext cx="9124950" cy="6843713"/>
+            <a:off x="1560514" y="46039"/>
+            <a:ext cx="8929687" cy="6696075"/>
           </a:xfrm>
           <a:prstGeom prst="rect">
             <a:avLst/>
